--- a/Springer Latex/Book/figures2/CSMA-CA-flowchart.pptx
+++ b/Springer Latex/Book/figures2/CSMA-CA-flowchart.pptx
@@ -5,10 +5,11 @@
     <p:sldMasterId id="2147483648" r:id="rId1"/>
   </p:sldMasterIdLst>
   <p:notesMasterIdLst>
-    <p:notesMasterId r:id="rId3"/>
+    <p:notesMasterId r:id="rId4"/>
   </p:notesMasterIdLst>
   <p:sldIdLst>
     <p:sldId id="256" r:id="rId2"/>
+    <p:sldId id="257" r:id="rId3"/>
   </p:sldIdLst>
   <p:sldSz cx="9144000" cy="6858000" type="screen4x3"/>
   <p:notesSz cx="6858000" cy="9144000"/>
@@ -107,6 +108,22 @@
       </a:defRPr>
     </a:lvl9pPr>
   </p:defaultTextStyle>
+  <p:extLst>
+    <p:ext uri="{EFAFB233-063F-42B5-8137-9DF3F51BA10A}">
+      <p15:sldGuideLst xmlns:p15="http://schemas.microsoft.com/office/powerpoint/2012/main">
+        <p15:guide id="1" orient="horz" pos="2160">
+          <p15:clr>
+            <a:srgbClr val="A4A3A4"/>
+          </p15:clr>
+        </p15:guide>
+        <p15:guide id="2" pos="2880">
+          <p15:clr>
+            <a:srgbClr val="A4A3A4"/>
+          </p15:clr>
+        </p15:guide>
+      </p15:sldGuideLst>
+    </p:ext>
+  </p:extLst>
 </p:presentation>
 </file>
 
@@ -192,7 +209,7 @@
           <a:p>
             <a:fld id="{EA6E994D-EE54-45CF-8564-9B84D8B032D6}" type="datetimeFigureOut">
               <a:rPr lang="en-US" smtClean="0"/>
-              <a:t>2/1/2016</a:t>
+              <a:t>8/16/2016</a:t>
             </a:fld>
             <a:endParaRPr lang="en-US"/>
           </a:p>
@@ -256,38 +273,37 @@
           <a:p>
             <a:pPr lvl="0"/>
             <a:r>
-              <a:rPr lang="en-US" smtClean="0"/>
+              <a:rPr lang="en-US"/>
               <a:t>Click to edit Master text styles</a:t>
             </a:r>
           </a:p>
           <a:p>
             <a:pPr lvl="1"/>
             <a:r>
-              <a:rPr lang="en-US" smtClean="0"/>
+              <a:rPr lang="en-US"/>
               <a:t>Second level</a:t>
             </a:r>
           </a:p>
           <a:p>
             <a:pPr lvl="2"/>
             <a:r>
-              <a:rPr lang="en-US" smtClean="0"/>
+              <a:rPr lang="en-US"/>
               <a:t>Third level</a:t>
             </a:r>
           </a:p>
           <a:p>
             <a:pPr lvl="3"/>
             <a:r>
-              <a:rPr lang="en-US" smtClean="0"/>
+              <a:rPr lang="en-US"/>
               <a:t>Fourth level</a:t>
             </a:r>
           </a:p>
           <a:p>
             <a:pPr lvl="4"/>
             <a:r>
-              <a:rPr lang="en-US" smtClean="0"/>
+              <a:rPr lang="en-US"/>
               <a:t>Fifth level</a:t>
             </a:r>
-            <a:endParaRPr lang="en-US"/>
           </a:p>
         </p:txBody>
       </p:sp>
@@ -582,10 +598,9 @@
           <a:lstStyle/>
           <a:p>
             <a:r>
-              <a:rPr lang="en-US" smtClean="0"/>
+              <a:rPr lang="en-US"/>
               <a:t>Click to edit Master title style</a:t>
             </a:r>
-            <a:endParaRPr lang="en-US"/>
           </a:p>
         </p:txBody>
       </p:sp>
@@ -701,10 +716,9 @@
           </a:lstStyle>
           <a:p>
             <a:r>
-              <a:rPr lang="en-US" smtClean="0"/>
+              <a:rPr lang="en-US"/>
               <a:t>Click to edit Master subtitle style</a:t>
             </a:r>
-            <a:endParaRPr lang="en-US"/>
           </a:p>
         </p:txBody>
       </p:sp>
@@ -725,7 +739,7 @@
           <a:p>
             <a:fld id="{D79ED97D-5577-403C-B58C-D66171CB85CF}" type="datetimeFigureOut">
               <a:rPr lang="en-US" smtClean="0"/>
-              <a:t>2/1/2016</a:t>
+              <a:t>8/16/2016</a:t>
             </a:fld>
             <a:endParaRPr lang="en-US"/>
           </a:p>
@@ -819,10 +833,9 @@
           <a:lstStyle/>
           <a:p>
             <a:r>
-              <a:rPr lang="en-US" smtClean="0"/>
+              <a:rPr lang="en-US"/>
               <a:t>Click to edit Master title style</a:t>
             </a:r>
-            <a:endParaRPr lang="en-US"/>
           </a:p>
         </p:txBody>
       </p:sp>
@@ -843,38 +856,37 @@
           <a:p>
             <a:pPr lvl="0"/>
             <a:r>
-              <a:rPr lang="en-US" smtClean="0"/>
+              <a:rPr lang="en-US"/>
               <a:t>Click to edit Master text styles</a:t>
             </a:r>
           </a:p>
           <a:p>
             <a:pPr lvl="1"/>
             <a:r>
-              <a:rPr lang="en-US" smtClean="0"/>
+              <a:rPr lang="en-US"/>
               <a:t>Second level</a:t>
             </a:r>
           </a:p>
           <a:p>
             <a:pPr lvl="2"/>
             <a:r>
-              <a:rPr lang="en-US" smtClean="0"/>
+              <a:rPr lang="en-US"/>
               <a:t>Third level</a:t>
             </a:r>
           </a:p>
           <a:p>
             <a:pPr lvl="3"/>
             <a:r>
-              <a:rPr lang="en-US" smtClean="0"/>
+              <a:rPr lang="en-US"/>
               <a:t>Fourth level</a:t>
             </a:r>
           </a:p>
           <a:p>
             <a:pPr lvl="4"/>
             <a:r>
-              <a:rPr lang="en-US" smtClean="0"/>
+              <a:rPr lang="en-US"/>
               <a:t>Fifth level</a:t>
             </a:r>
-            <a:endParaRPr lang="en-US"/>
           </a:p>
         </p:txBody>
       </p:sp>
@@ -895,7 +907,7 @@
           <a:p>
             <a:fld id="{D79ED97D-5577-403C-B58C-D66171CB85CF}" type="datetimeFigureOut">
               <a:rPr lang="en-US" smtClean="0"/>
-              <a:t>2/1/2016</a:t>
+              <a:t>8/16/2016</a:t>
             </a:fld>
             <a:endParaRPr lang="en-US"/>
           </a:p>
@@ -994,10 +1006,9 @@
           <a:lstStyle/>
           <a:p>
             <a:r>
-              <a:rPr lang="en-US" smtClean="0"/>
+              <a:rPr lang="en-US"/>
               <a:t>Click to edit Master title style</a:t>
             </a:r>
-            <a:endParaRPr lang="en-US"/>
           </a:p>
         </p:txBody>
       </p:sp>
@@ -1023,38 +1034,37 @@
           <a:p>
             <a:pPr lvl="0"/>
             <a:r>
-              <a:rPr lang="en-US" smtClean="0"/>
+              <a:rPr lang="en-US"/>
               <a:t>Click to edit Master text styles</a:t>
             </a:r>
           </a:p>
           <a:p>
             <a:pPr lvl="1"/>
             <a:r>
-              <a:rPr lang="en-US" smtClean="0"/>
+              <a:rPr lang="en-US"/>
               <a:t>Second level</a:t>
             </a:r>
           </a:p>
           <a:p>
             <a:pPr lvl="2"/>
             <a:r>
-              <a:rPr lang="en-US" smtClean="0"/>
+              <a:rPr lang="en-US"/>
               <a:t>Third level</a:t>
             </a:r>
           </a:p>
           <a:p>
             <a:pPr lvl="3"/>
             <a:r>
-              <a:rPr lang="en-US" smtClean="0"/>
+              <a:rPr lang="en-US"/>
               <a:t>Fourth level</a:t>
             </a:r>
           </a:p>
           <a:p>
             <a:pPr lvl="4"/>
             <a:r>
-              <a:rPr lang="en-US" smtClean="0"/>
+              <a:rPr lang="en-US"/>
               <a:t>Fifth level</a:t>
             </a:r>
-            <a:endParaRPr lang="en-US"/>
           </a:p>
         </p:txBody>
       </p:sp>
@@ -1075,7 +1085,7 @@
           <a:p>
             <a:fld id="{D79ED97D-5577-403C-B58C-D66171CB85CF}" type="datetimeFigureOut">
               <a:rPr lang="en-US" smtClean="0"/>
-              <a:t>2/1/2016</a:t>
+              <a:t>8/16/2016</a:t>
             </a:fld>
             <a:endParaRPr lang="en-US"/>
           </a:p>
@@ -1169,10 +1179,9 @@
           <a:lstStyle/>
           <a:p>
             <a:r>
-              <a:rPr lang="en-US" smtClean="0"/>
+              <a:rPr lang="en-US"/>
               <a:t>Click to edit Master title style</a:t>
             </a:r>
-            <a:endParaRPr lang="en-US"/>
           </a:p>
         </p:txBody>
       </p:sp>
@@ -1193,38 +1202,37 @@
           <a:p>
             <a:pPr lvl="0"/>
             <a:r>
-              <a:rPr lang="en-US" smtClean="0"/>
+              <a:rPr lang="en-US"/>
               <a:t>Click to edit Master text styles</a:t>
             </a:r>
           </a:p>
           <a:p>
             <a:pPr lvl="1"/>
             <a:r>
-              <a:rPr lang="en-US" smtClean="0"/>
+              <a:rPr lang="en-US"/>
               <a:t>Second level</a:t>
             </a:r>
           </a:p>
           <a:p>
             <a:pPr lvl="2"/>
             <a:r>
-              <a:rPr lang="en-US" smtClean="0"/>
+              <a:rPr lang="en-US"/>
               <a:t>Third level</a:t>
             </a:r>
           </a:p>
           <a:p>
             <a:pPr lvl="3"/>
             <a:r>
-              <a:rPr lang="en-US" smtClean="0"/>
+              <a:rPr lang="en-US"/>
               <a:t>Fourth level</a:t>
             </a:r>
           </a:p>
           <a:p>
             <a:pPr lvl="4"/>
             <a:r>
-              <a:rPr lang="en-US" smtClean="0"/>
+              <a:rPr lang="en-US"/>
               <a:t>Fifth level</a:t>
             </a:r>
-            <a:endParaRPr lang="en-US"/>
           </a:p>
         </p:txBody>
       </p:sp>
@@ -1245,7 +1253,7 @@
           <a:p>
             <a:fld id="{D79ED97D-5577-403C-B58C-D66171CB85CF}" type="datetimeFigureOut">
               <a:rPr lang="en-US" smtClean="0"/>
-              <a:t>2/1/2016</a:t>
+              <a:t>8/16/2016</a:t>
             </a:fld>
             <a:endParaRPr lang="en-US"/>
           </a:p>
@@ -1348,10 +1356,9 @@
           </a:lstStyle>
           <a:p>
             <a:r>
-              <a:rPr lang="en-US" smtClean="0"/>
+              <a:rPr lang="en-US"/>
               <a:t>Click to edit Master title style</a:t>
             </a:r>
-            <a:endParaRPr lang="en-US"/>
           </a:p>
         </p:txBody>
       </p:sp>
@@ -1468,7 +1475,7 @@
           <a:p>
             <a:pPr lvl="0"/>
             <a:r>
-              <a:rPr lang="en-US" smtClean="0"/>
+              <a:rPr lang="en-US"/>
               <a:t>Click to edit Master text styles</a:t>
             </a:r>
           </a:p>
@@ -1491,7 +1498,7 @@
           <a:p>
             <a:fld id="{D79ED97D-5577-403C-B58C-D66171CB85CF}" type="datetimeFigureOut">
               <a:rPr lang="en-US" smtClean="0"/>
-              <a:t>2/1/2016</a:t>
+              <a:t>8/16/2016</a:t>
             </a:fld>
             <a:endParaRPr lang="en-US"/>
           </a:p>
@@ -1585,10 +1592,9 @@
           <a:lstStyle/>
           <a:p>
             <a:r>
-              <a:rPr lang="en-US" smtClean="0"/>
+              <a:rPr lang="en-US"/>
               <a:t>Click to edit Master title style</a:t>
             </a:r>
-            <a:endParaRPr lang="en-US"/>
           </a:p>
         </p:txBody>
       </p:sp>
@@ -1642,38 +1648,37 @@
           <a:p>
             <a:pPr lvl="0"/>
             <a:r>
-              <a:rPr lang="en-US" smtClean="0"/>
+              <a:rPr lang="en-US"/>
               <a:t>Click to edit Master text styles</a:t>
             </a:r>
           </a:p>
           <a:p>
             <a:pPr lvl="1"/>
             <a:r>
-              <a:rPr lang="en-US" smtClean="0"/>
+              <a:rPr lang="en-US"/>
               <a:t>Second level</a:t>
             </a:r>
           </a:p>
           <a:p>
             <a:pPr lvl="2"/>
             <a:r>
-              <a:rPr lang="en-US" smtClean="0"/>
+              <a:rPr lang="en-US"/>
               <a:t>Third level</a:t>
             </a:r>
           </a:p>
           <a:p>
             <a:pPr lvl="3"/>
             <a:r>
-              <a:rPr lang="en-US" smtClean="0"/>
+              <a:rPr lang="en-US"/>
               <a:t>Fourth level</a:t>
             </a:r>
           </a:p>
           <a:p>
             <a:pPr lvl="4"/>
             <a:r>
-              <a:rPr lang="en-US" smtClean="0"/>
+              <a:rPr lang="en-US"/>
               <a:t>Fifth level</a:t>
             </a:r>
-            <a:endParaRPr lang="en-US"/>
           </a:p>
         </p:txBody>
       </p:sp>
@@ -1727,38 +1732,37 @@
           <a:p>
             <a:pPr lvl="0"/>
             <a:r>
-              <a:rPr lang="en-US" smtClean="0"/>
+              <a:rPr lang="en-US"/>
               <a:t>Click to edit Master text styles</a:t>
             </a:r>
           </a:p>
           <a:p>
             <a:pPr lvl="1"/>
             <a:r>
-              <a:rPr lang="en-US" smtClean="0"/>
+              <a:rPr lang="en-US"/>
               <a:t>Second level</a:t>
             </a:r>
           </a:p>
           <a:p>
             <a:pPr lvl="2"/>
             <a:r>
-              <a:rPr lang="en-US" smtClean="0"/>
+              <a:rPr lang="en-US"/>
               <a:t>Third level</a:t>
             </a:r>
           </a:p>
           <a:p>
             <a:pPr lvl="3"/>
             <a:r>
-              <a:rPr lang="en-US" smtClean="0"/>
+              <a:rPr lang="en-US"/>
               <a:t>Fourth level</a:t>
             </a:r>
           </a:p>
           <a:p>
             <a:pPr lvl="4"/>
             <a:r>
-              <a:rPr lang="en-US" smtClean="0"/>
+              <a:rPr lang="en-US"/>
               <a:t>Fifth level</a:t>
             </a:r>
-            <a:endParaRPr lang="en-US"/>
           </a:p>
         </p:txBody>
       </p:sp>
@@ -1779,7 +1783,7 @@
           <a:p>
             <a:fld id="{D79ED97D-5577-403C-B58C-D66171CB85CF}" type="datetimeFigureOut">
               <a:rPr lang="en-US" smtClean="0"/>
-              <a:t>2/1/2016</a:t>
+              <a:t>8/16/2016</a:t>
             </a:fld>
             <a:endParaRPr lang="en-US"/>
           </a:p>
@@ -1877,10 +1881,9 @@
           </a:lstStyle>
           <a:p>
             <a:r>
-              <a:rPr lang="en-US" smtClean="0"/>
+              <a:rPr lang="en-US"/>
               <a:t>Click to edit Master title style</a:t>
             </a:r>
-            <a:endParaRPr lang="en-US"/>
           </a:p>
         </p:txBody>
       </p:sp>
@@ -1943,7 +1946,7 @@
           <a:p>
             <a:pPr lvl="0"/>
             <a:r>
-              <a:rPr lang="en-US" smtClean="0"/>
+              <a:rPr lang="en-US"/>
               <a:t>Click to edit Master text styles</a:t>
             </a:r>
           </a:p>
@@ -1999,38 +2002,37 @@
           <a:p>
             <a:pPr lvl="0"/>
             <a:r>
-              <a:rPr lang="en-US" smtClean="0"/>
+              <a:rPr lang="en-US"/>
               <a:t>Click to edit Master text styles</a:t>
             </a:r>
           </a:p>
           <a:p>
             <a:pPr lvl="1"/>
             <a:r>
-              <a:rPr lang="en-US" smtClean="0"/>
+              <a:rPr lang="en-US"/>
               <a:t>Second level</a:t>
             </a:r>
           </a:p>
           <a:p>
             <a:pPr lvl="2"/>
             <a:r>
-              <a:rPr lang="en-US" smtClean="0"/>
+              <a:rPr lang="en-US"/>
               <a:t>Third level</a:t>
             </a:r>
           </a:p>
           <a:p>
             <a:pPr lvl="3"/>
             <a:r>
-              <a:rPr lang="en-US" smtClean="0"/>
+              <a:rPr lang="en-US"/>
               <a:t>Fourth level</a:t>
             </a:r>
           </a:p>
           <a:p>
             <a:pPr lvl="4"/>
             <a:r>
-              <a:rPr lang="en-US" smtClean="0"/>
+              <a:rPr lang="en-US"/>
               <a:t>Fifth level</a:t>
             </a:r>
-            <a:endParaRPr lang="en-US"/>
           </a:p>
         </p:txBody>
       </p:sp>
@@ -2093,7 +2095,7 @@
           <a:p>
             <a:pPr lvl="0"/>
             <a:r>
-              <a:rPr lang="en-US" smtClean="0"/>
+              <a:rPr lang="en-US"/>
               <a:t>Click to edit Master text styles</a:t>
             </a:r>
           </a:p>
@@ -2149,38 +2151,37 @@
           <a:p>
             <a:pPr lvl="0"/>
             <a:r>
-              <a:rPr lang="en-US" smtClean="0"/>
+              <a:rPr lang="en-US"/>
               <a:t>Click to edit Master text styles</a:t>
             </a:r>
           </a:p>
           <a:p>
             <a:pPr lvl="1"/>
             <a:r>
-              <a:rPr lang="en-US" smtClean="0"/>
+              <a:rPr lang="en-US"/>
               <a:t>Second level</a:t>
             </a:r>
           </a:p>
           <a:p>
             <a:pPr lvl="2"/>
             <a:r>
-              <a:rPr lang="en-US" smtClean="0"/>
+              <a:rPr lang="en-US"/>
               <a:t>Third level</a:t>
             </a:r>
           </a:p>
           <a:p>
             <a:pPr lvl="3"/>
             <a:r>
-              <a:rPr lang="en-US" smtClean="0"/>
+              <a:rPr lang="en-US"/>
               <a:t>Fourth level</a:t>
             </a:r>
           </a:p>
           <a:p>
             <a:pPr lvl="4"/>
             <a:r>
-              <a:rPr lang="en-US" smtClean="0"/>
+              <a:rPr lang="en-US"/>
               <a:t>Fifth level</a:t>
             </a:r>
-            <a:endParaRPr lang="en-US"/>
           </a:p>
         </p:txBody>
       </p:sp>
@@ -2201,7 +2202,7 @@
           <a:p>
             <a:fld id="{D79ED97D-5577-403C-B58C-D66171CB85CF}" type="datetimeFigureOut">
               <a:rPr lang="en-US" smtClean="0"/>
-              <a:t>2/1/2016</a:t>
+              <a:t>8/16/2016</a:t>
             </a:fld>
             <a:endParaRPr lang="en-US"/>
           </a:p>
@@ -2295,10 +2296,9 @@
           <a:lstStyle/>
           <a:p>
             <a:r>
-              <a:rPr lang="en-US" smtClean="0"/>
+              <a:rPr lang="en-US"/>
               <a:t>Click to edit Master title style</a:t>
             </a:r>
-            <a:endParaRPr lang="en-US"/>
           </a:p>
         </p:txBody>
       </p:sp>
@@ -2319,7 +2319,7 @@
           <a:p>
             <a:fld id="{D79ED97D-5577-403C-B58C-D66171CB85CF}" type="datetimeFigureOut">
               <a:rPr lang="en-US" smtClean="0"/>
-              <a:t>2/1/2016</a:t>
+              <a:t>8/16/2016</a:t>
             </a:fld>
             <a:endParaRPr lang="en-US"/>
           </a:p>
@@ -2414,7 +2414,7 @@
           <a:p>
             <a:fld id="{D79ED97D-5577-403C-B58C-D66171CB85CF}" type="datetimeFigureOut">
               <a:rPr lang="en-US" smtClean="0"/>
-              <a:t>2/1/2016</a:t>
+              <a:t>8/16/2016</a:t>
             </a:fld>
             <a:endParaRPr lang="en-US"/>
           </a:p>
@@ -2517,10 +2517,9 @@
           </a:lstStyle>
           <a:p>
             <a:r>
-              <a:rPr lang="en-US" smtClean="0"/>
+              <a:rPr lang="en-US"/>
               <a:t>Click to edit Master title style</a:t>
             </a:r>
-            <a:endParaRPr lang="en-US"/>
           </a:p>
         </p:txBody>
       </p:sp>
@@ -2574,38 +2573,37 @@
           <a:p>
             <a:pPr lvl="0"/>
             <a:r>
-              <a:rPr lang="en-US" smtClean="0"/>
+              <a:rPr lang="en-US"/>
               <a:t>Click to edit Master text styles</a:t>
             </a:r>
           </a:p>
           <a:p>
             <a:pPr lvl="1"/>
             <a:r>
-              <a:rPr lang="en-US" smtClean="0"/>
+              <a:rPr lang="en-US"/>
               <a:t>Second level</a:t>
             </a:r>
           </a:p>
           <a:p>
             <a:pPr lvl="2"/>
             <a:r>
-              <a:rPr lang="en-US" smtClean="0"/>
+              <a:rPr lang="en-US"/>
               <a:t>Third level</a:t>
             </a:r>
           </a:p>
           <a:p>
             <a:pPr lvl="3"/>
             <a:r>
-              <a:rPr lang="en-US" smtClean="0"/>
+              <a:rPr lang="en-US"/>
               <a:t>Fourth level</a:t>
             </a:r>
           </a:p>
           <a:p>
             <a:pPr lvl="4"/>
             <a:r>
-              <a:rPr lang="en-US" smtClean="0"/>
+              <a:rPr lang="en-US"/>
               <a:t>Fifth level</a:t>
             </a:r>
-            <a:endParaRPr lang="en-US"/>
           </a:p>
         </p:txBody>
       </p:sp>
@@ -2668,7 +2666,7 @@
           <a:p>
             <a:pPr lvl="0"/>
             <a:r>
-              <a:rPr lang="en-US" smtClean="0"/>
+              <a:rPr lang="en-US"/>
               <a:t>Click to edit Master text styles</a:t>
             </a:r>
           </a:p>
@@ -2691,7 +2689,7 @@
           <a:p>
             <a:fld id="{D79ED97D-5577-403C-B58C-D66171CB85CF}" type="datetimeFigureOut">
               <a:rPr lang="en-US" smtClean="0"/>
-              <a:t>2/1/2016</a:t>
+              <a:t>8/16/2016</a:t>
             </a:fld>
             <a:endParaRPr lang="en-US"/>
           </a:p>
@@ -2794,10 +2792,9 @@
           </a:lstStyle>
           <a:p>
             <a:r>
-              <a:rPr lang="en-US" smtClean="0"/>
+              <a:rPr lang="en-US"/>
               <a:t>Click to edit Master title style</a:t>
             </a:r>
-            <a:endParaRPr lang="en-US"/>
           </a:p>
         </p:txBody>
       </p:sp>
@@ -2921,7 +2918,7 @@
           <a:p>
             <a:pPr lvl="0"/>
             <a:r>
-              <a:rPr lang="en-US" smtClean="0"/>
+              <a:rPr lang="en-US"/>
               <a:t>Click to edit Master text styles</a:t>
             </a:r>
           </a:p>
@@ -2944,7 +2941,7 @@
           <a:p>
             <a:fld id="{D79ED97D-5577-403C-B58C-D66171CB85CF}" type="datetimeFigureOut">
               <a:rPr lang="en-US" smtClean="0"/>
-              <a:t>2/1/2016</a:t>
+              <a:t>8/16/2016</a:t>
             </a:fld>
             <a:endParaRPr lang="en-US"/>
           </a:p>
@@ -3053,10 +3050,9 @@
           <a:lstStyle/>
           <a:p>
             <a:r>
-              <a:rPr lang="en-US" smtClean="0"/>
+              <a:rPr lang="en-US"/>
               <a:t>Click to edit Master title style</a:t>
             </a:r>
-            <a:endParaRPr lang="en-US"/>
           </a:p>
         </p:txBody>
       </p:sp>
@@ -3087,38 +3083,37 @@
           <a:p>
             <a:pPr lvl="0"/>
             <a:r>
-              <a:rPr lang="en-US" smtClean="0"/>
+              <a:rPr lang="en-US"/>
               <a:t>Click to edit Master text styles</a:t>
             </a:r>
           </a:p>
           <a:p>
             <a:pPr lvl="1"/>
             <a:r>
-              <a:rPr lang="en-US" smtClean="0"/>
+              <a:rPr lang="en-US"/>
               <a:t>Second level</a:t>
             </a:r>
           </a:p>
           <a:p>
             <a:pPr lvl="2"/>
             <a:r>
-              <a:rPr lang="en-US" smtClean="0"/>
+              <a:rPr lang="en-US"/>
               <a:t>Third level</a:t>
             </a:r>
           </a:p>
           <a:p>
             <a:pPr lvl="3"/>
             <a:r>
-              <a:rPr lang="en-US" smtClean="0"/>
+              <a:rPr lang="en-US"/>
               <a:t>Fourth level</a:t>
             </a:r>
           </a:p>
           <a:p>
             <a:pPr lvl="4"/>
             <a:r>
-              <a:rPr lang="en-US" smtClean="0"/>
+              <a:rPr lang="en-US"/>
               <a:t>Fifth level</a:t>
             </a:r>
-            <a:endParaRPr lang="en-US"/>
           </a:p>
         </p:txBody>
       </p:sp>
@@ -3157,7 +3152,7 @@
           <a:p>
             <a:fld id="{D79ED97D-5577-403C-B58C-D66171CB85CF}" type="datetimeFigureOut">
               <a:rPr lang="en-US" smtClean="0"/>
-              <a:t>2/1/2016</a:t>
+              <a:t>8/16/2016</a:t>
             </a:fld>
             <a:endParaRPr lang="en-US"/>
           </a:p>
@@ -3540,7 +3535,7 @@
         </p:nvSpPr>
         <p:spPr>
           <a:xfrm>
-            <a:off x="3364266" y="377051"/>
+            <a:off x="3100038" y="152916"/>
             <a:ext cx="762000" cy="304800"/>
           </a:xfrm>
           <a:prstGeom prst="roundRect">
@@ -3588,7 +3583,7 @@
         </p:nvSpPr>
         <p:spPr>
           <a:xfrm>
-            <a:off x="3503982" y="389413"/>
+            <a:off x="3239754" y="165278"/>
             <a:ext cx="482568" cy="276999"/>
           </a:xfrm>
           <a:prstGeom prst="rect">
@@ -3606,10 +3601,9 @@
           <a:lstStyle/>
           <a:p>
             <a:r>
-              <a:rPr lang="en-US" sz="1200" dirty="0" smtClean="0"/>
+              <a:rPr lang="en-US" sz="1200" dirty="0"/>
               <a:t>Start</a:t>
             </a:r>
-            <a:endParaRPr lang="en-US" sz="1200" dirty="0"/>
           </a:p>
         </p:txBody>
       </p:sp>
@@ -3624,7 +3618,7 @@
         </p:nvCxnSpPr>
         <p:spPr>
           <a:xfrm>
-            <a:off x="3745266" y="681851"/>
+            <a:off x="3481038" y="457716"/>
             <a:ext cx="545" cy="248124"/>
           </a:xfrm>
           <a:prstGeom prst="straightConnector1">
@@ -3660,7 +3654,7 @@
         </p:nvSpPr>
         <p:spPr>
           <a:xfrm>
-            <a:off x="3505200" y="929975"/>
+            <a:off x="3240972" y="705840"/>
             <a:ext cx="481221" cy="276999"/>
           </a:xfrm>
           <a:prstGeom prst="rect">
@@ -3686,13 +3680,8 @@
             </a:r>
             <a:r>
               <a:rPr lang="en-US" sz="1200" dirty="0"/>
-              <a:t> = </a:t>
-            </a:r>
-            <a:r>
-              <a:rPr lang="en-US" sz="1200" dirty="0" smtClean="0"/>
-              <a:t>0</a:t>
-            </a:r>
-            <a:endParaRPr lang="en-US" sz="1200" dirty="0"/>
+              <a:t> = 0</a:t>
+            </a:r>
           </a:p>
         </p:txBody>
       </p:sp>
@@ -3704,7 +3693,7 @@
         </p:nvSpPr>
         <p:spPr>
           <a:xfrm>
-            <a:off x="2840536" y="2571270"/>
+            <a:off x="2576308" y="2347135"/>
             <a:ext cx="1806202" cy="1010130"/>
           </a:xfrm>
           <a:prstGeom prst="diamond">
@@ -3750,7 +3739,7 @@
         </p:nvSpPr>
         <p:spPr>
           <a:xfrm>
-            <a:off x="3105283" y="2806947"/>
+            <a:off x="2841055" y="2582812"/>
             <a:ext cx="1292340" cy="646331"/>
           </a:xfrm>
           <a:prstGeom prst="rect">
@@ -3769,24 +3758,23 @@
           <a:p>
             <a:pPr algn="ctr"/>
             <a:r>
-              <a:rPr lang="en-US" sz="1200" dirty="0" smtClean="0"/>
+              <a:rPr lang="en-US" sz="1200" dirty="0"/>
               <a:t>Channel has been</a:t>
             </a:r>
             <a:br>
-              <a:rPr lang="en-US" sz="1200" dirty="0" smtClean="0"/>
+              <a:rPr lang="en-US" sz="1200" dirty="0"/>
             </a:br>
             <a:r>
-              <a:rPr lang="en-US" sz="1200" dirty="0" smtClean="0"/>
+              <a:rPr lang="en-US" sz="1200" dirty="0"/>
               <a:t>continuously free</a:t>
             </a:r>
             <a:br>
-              <a:rPr lang="en-US" sz="1200" dirty="0" smtClean="0"/>
+              <a:rPr lang="en-US" sz="1200" dirty="0"/>
             </a:br>
             <a:r>
-              <a:rPr lang="en-US" sz="1200" dirty="0" smtClean="0"/>
+              <a:rPr lang="en-US" sz="1200" dirty="0"/>
               <a:t>over DIFS?</a:t>
             </a:r>
-            <a:endParaRPr lang="en-US" sz="1200" dirty="0"/>
           </a:p>
         </p:txBody>
       </p:sp>
@@ -3798,7 +3786,7 @@
         </p:nvSpPr>
         <p:spPr>
           <a:xfrm>
-            <a:off x="4603193" y="2847201"/>
+            <a:off x="4215239" y="2461577"/>
             <a:ext cx="365806" cy="276999"/>
           </a:xfrm>
           <a:prstGeom prst="rect">
@@ -3816,10 +3804,9 @@
           <a:lstStyle/>
           <a:p>
             <a:r>
-              <a:rPr lang="en-US" sz="1200" dirty="0" smtClean="0"/>
+              <a:rPr lang="en-US" sz="1200" dirty="0"/>
               <a:t>No</a:t>
             </a:r>
-            <a:endParaRPr lang="en-US" sz="1200" dirty="0"/>
           </a:p>
         </p:txBody>
       </p:sp>
@@ -3831,7 +3818,7 @@
         </p:nvSpPr>
         <p:spPr>
           <a:xfrm>
-            <a:off x="304800" y="3643269"/>
+            <a:off x="40572" y="3419134"/>
             <a:ext cx="1184526" cy="697215"/>
           </a:xfrm>
           <a:prstGeom prst="diamond">
@@ -3877,7 +3864,7 @@
         </p:nvSpPr>
         <p:spPr>
           <a:xfrm>
-            <a:off x="496477" y="3734927"/>
+            <a:off x="232249" y="3510792"/>
             <a:ext cx="785471" cy="461665"/>
           </a:xfrm>
           <a:prstGeom prst="rect">
@@ -3896,17 +3883,16 @@
           <a:p>
             <a:pPr algn="ctr"/>
             <a:r>
-              <a:rPr lang="en-US" sz="1200" dirty="0" smtClean="0"/>
+              <a:rPr lang="en-US" sz="1200" dirty="0"/>
               <a:t>ACK is</a:t>
             </a:r>
             <a:br>
-              <a:rPr lang="en-US" sz="1200" dirty="0" smtClean="0"/>
+              <a:rPr lang="en-US" sz="1200" dirty="0"/>
             </a:br>
             <a:r>
-              <a:rPr lang="en-US" sz="1200" dirty="0" smtClean="0"/>
+              <a:rPr lang="en-US" sz="1200" dirty="0"/>
               <a:t>received?</a:t>
             </a:r>
-            <a:endParaRPr lang="en-US" sz="1200" dirty="0"/>
           </a:p>
         </p:txBody>
       </p:sp>
@@ -3918,7 +3904,7 @@
         </p:nvSpPr>
         <p:spPr>
           <a:xfrm>
-            <a:off x="3193127" y="4655403"/>
+            <a:off x="2928899" y="4431268"/>
             <a:ext cx="1101502" cy="830997"/>
           </a:xfrm>
           <a:prstGeom prst="rect">
@@ -3938,19 +3924,19 @@
           <a:lstStyle/>
           <a:p>
             <a:pPr algn="ctr"/>
-            <a:endParaRPr lang="en-US" sz="1200" dirty="0" smtClean="0"/>
+            <a:endParaRPr lang="en-US" sz="1200" dirty="0"/>
           </a:p>
           <a:p>
             <a:pPr algn="ctr"/>
             <a:r>
-              <a:rPr lang="en-US" sz="1200" dirty="0" smtClean="0"/>
+              <a:rPr lang="en-US" sz="1200" dirty="0"/>
               <a:t>Transmit</a:t>
             </a:r>
             <a:br>
-              <a:rPr lang="en-US" sz="1200" dirty="0" smtClean="0"/>
+              <a:rPr lang="en-US" sz="1200" dirty="0"/>
             </a:br>
             <a:r>
-              <a:rPr lang="en-US" sz="1200" dirty="0" smtClean="0"/>
+              <a:rPr lang="en-US" sz="1200" dirty="0"/>
               <a:t>the frame</a:t>
             </a:r>
           </a:p>
@@ -3968,7 +3954,7 @@
         </p:nvSpPr>
         <p:spPr>
           <a:xfrm>
-            <a:off x="5495943" y="883640"/>
+            <a:off x="5515668" y="655251"/>
             <a:ext cx="1563121" cy="461665"/>
           </a:xfrm>
           <a:prstGeom prst="rect">
@@ -3989,17 +3975,16 @@
           <a:p>
             <a:pPr algn="ctr"/>
             <a:r>
-              <a:rPr lang="en-US" sz="1200" dirty="0" smtClean="0"/>
+              <a:rPr lang="en-US" sz="1200" dirty="0"/>
               <a:t>Wait until the</a:t>
             </a:r>
             <a:br>
-              <a:rPr lang="en-US" sz="1200" dirty="0" smtClean="0"/>
+              <a:rPr lang="en-US" sz="1200" dirty="0"/>
             </a:br>
             <a:r>
-              <a:rPr lang="en-US" sz="1200" dirty="0" smtClean="0"/>
+              <a:rPr lang="en-US" sz="1200" dirty="0"/>
               <a:t>channel becomes free</a:t>
             </a:r>
-            <a:endParaRPr lang="en-US" sz="1200" dirty="0"/>
           </a:p>
         </p:txBody>
       </p:sp>
@@ -4011,7 +3996,7 @@
         </p:nvSpPr>
         <p:spPr>
           <a:xfrm>
-            <a:off x="7391400" y="3963679"/>
+            <a:off x="7411125" y="3735290"/>
             <a:ext cx="1450718" cy="646331"/>
           </a:xfrm>
           <a:prstGeom prst="rect">
@@ -4032,20 +4017,8 @@
           <a:p>
             <a:pPr algn="ctr"/>
             <a:r>
-              <a:rPr lang="en-US" sz="1200" dirty="0" smtClean="0"/>
-              <a:t>Wait until </a:t>
-            </a:r>
-            <a:r>
               <a:rPr lang="en-US" sz="1200" dirty="0"/>
-              <a:t>channel </a:t>
-            </a:r>
-            <a:r>
-              <a:rPr lang="en-US" sz="1200" dirty="0" smtClean="0"/>
-              <a:t>is</a:t>
-            </a:r>
-            <a:r>
-              <a:rPr lang="en-US" sz="1200" dirty="0"/>
-              <a:t/>
+              <a:t>Wait until channel is</a:t>
             </a:r>
             <a:br>
               <a:rPr lang="en-US" sz="1200" dirty="0"/>
@@ -4059,13 +4032,8 @@
             </a:br>
             <a:r>
               <a:rPr lang="en-US" sz="1200" dirty="0"/>
-              <a:t>over </a:t>
-            </a:r>
-            <a:r>
-              <a:rPr lang="en-US" sz="1200" dirty="0" smtClean="0"/>
-              <a:t>DIFS</a:t>
-            </a:r>
-            <a:endParaRPr lang="en-US" sz="1200" dirty="0"/>
+              <a:t>over DIFS</a:t>
+            </a:r>
           </a:p>
         </p:txBody>
       </p:sp>
@@ -4080,7 +4048,7 @@
         </p:nvCxnSpPr>
         <p:spPr>
           <a:xfrm>
-            <a:off x="3740839" y="1981200"/>
+            <a:off x="3476611" y="1757065"/>
             <a:ext cx="2798" cy="590070"/>
           </a:xfrm>
           <a:prstGeom prst="straightConnector1">
@@ -4119,7 +4087,7 @@
         </p:nvCxnSpPr>
         <p:spPr>
           <a:xfrm>
-            <a:off x="3743637" y="3581400"/>
+            <a:off x="3479409" y="3357265"/>
             <a:ext cx="241" cy="1074003"/>
           </a:xfrm>
           <a:prstGeom prst="straightConnector1">
@@ -4155,7 +4123,7 @@
         </p:nvSpPr>
         <p:spPr>
           <a:xfrm>
-            <a:off x="5246830" y="2778214"/>
+            <a:off x="5266555" y="2549825"/>
             <a:ext cx="2068370" cy="646331"/>
           </a:xfrm>
           <a:prstGeom prst="rect">
@@ -4175,75 +4143,75 @@
           <a:lstStyle/>
           <a:p>
             <a:r>
-              <a:rPr lang="en-US" sz="1200" i="1" dirty="0" smtClean="0"/>
+              <a:rPr lang="en-US" sz="1200" i="1" dirty="0"/>
               <a:t>W</a:t>
             </a:r>
             <a:r>
-              <a:rPr lang="en-US" sz="1200" dirty="0" smtClean="0"/>
+              <a:rPr lang="en-US" sz="1200" dirty="0"/>
               <a:t> = min{2</a:t>
             </a:r>
             <a:r>
-              <a:rPr lang="en-US" sz="1200" i="1" baseline="30000" dirty="0" smtClean="0"/>
+              <a:rPr lang="en-US" sz="1200" i="1" baseline="30000" dirty="0"/>
               <a:t>k </a:t>
             </a:r>
             <a:r>
-              <a:rPr lang="en-US" sz="1200" dirty="0" smtClean="0"/>
+              <a:rPr lang="en-US" sz="1200" dirty="0"/>
               <a:t>(</a:t>
             </a:r>
             <a:r>
-              <a:rPr lang="en-US" sz="1200" i="1" dirty="0" smtClean="0"/>
+              <a:rPr lang="en-US" sz="1200" i="1" dirty="0"/>
               <a:t>W</a:t>
             </a:r>
             <a:r>
-              <a:rPr lang="en-US" sz="1200" baseline="-25000" dirty="0" smtClean="0"/>
+              <a:rPr lang="en-US" sz="1200" baseline="-25000" dirty="0"/>
               <a:t>min</a:t>
             </a:r>
             <a:r>
-              <a:rPr lang="en-US" sz="1200" dirty="0" smtClean="0"/>
+              <a:rPr lang="en-US" sz="1200" dirty="0"/>
               <a:t>+1) - 1,</a:t>
             </a:r>
             <a:r>
-              <a:rPr lang="en-US" sz="1200" i="1" dirty="0" smtClean="0"/>
+              <a:rPr lang="en-US" sz="1200" i="1" dirty="0"/>
               <a:t>W</a:t>
             </a:r>
             <a:r>
-              <a:rPr lang="en-US" sz="1200" baseline="-25000" dirty="0" smtClean="0"/>
+              <a:rPr lang="en-US" sz="1200" baseline="-25000" dirty="0"/>
               <a:t>max</a:t>
             </a:r>
             <a:r>
-              <a:rPr lang="en-US" sz="1200" dirty="0" smtClean="0"/>
+              <a:rPr lang="en-US" sz="1200" dirty="0"/>
               <a:t>}</a:t>
             </a:r>
           </a:p>
           <a:p>
             <a:r>
-              <a:rPr lang="en-US" sz="1200" dirty="0" err="1" smtClean="0"/>
+              <a:rPr lang="en-US" sz="1200" dirty="0" err="1"/>
               <a:t>BI</a:t>
             </a:r>
             <a:r>
-              <a:rPr lang="en-US" sz="1200" baseline="-25000" dirty="0" err="1" smtClean="0"/>
+              <a:rPr lang="en-US" sz="1200" baseline="-25000" dirty="0" err="1"/>
               <a:t>slots</a:t>
             </a:r>
             <a:r>
-              <a:rPr lang="en-US" sz="1200" dirty="0" smtClean="0"/>
+              <a:rPr lang="en-US" sz="1200" dirty="0"/>
               <a:t> = rand[0,</a:t>
             </a:r>
             <a:r>
-              <a:rPr lang="en-US" sz="1200" i="1" dirty="0" smtClean="0"/>
+              <a:rPr lang="en-US" sz="1200" i="1" dirty="0"/>
               <a:t>W</a:t>
             </a:r>
             <a:r>
-              <a:rPr lang="en-US" sz="1200" dirty="0" smtClean="0"/>
+              <a:rPr lang="en-US" sz="1200" dirty="0"/>
               <a:t>]</a:t>
             </a:r>
           </a:p>
           <a:p>
             <a:r>
-              <a:rPr lang="en-US" sz="1200" i="1" dirty="0" smtClean="0"/>
+              <a:rPr lang="en-US" sz="1200" i="1" dirty="0"/>
               <a:t>w</a:t>
             </a:r>
             <a:r>
-              <a:rPr lang="en-US" sz="1200" dirty="0" smtClean="0"/>
+              <a:rPr lang="en-US" sz="1200" dirty="0"/>
               <a:t> = </a:t>
             </a:r>
             <a:r>
@@ -4269,7 +4237,7 @@
         </p:nvCxnSpPr>
         <p:spPr>
           <a:xfrm flipH="1">
-            <a:off x="6276533" y="1345305"/>
+            <a:off x="6296258" y="1116916"/>
             <a:ext cx="971" cy="181874"/>
           </a:xfrm>
           <a:prstGeom prst="straightConnector1">
@@ -4308,7 +4276,7 @@
         </p:nvCxnSpPr>
         <p:spPr>
           <a:xfrm flipV="1">
-            <a:off x="7101108" y="4286845"/>
+            <a:off x="7120833" y="4058456"/>
             <a:ext cx="290292" cy="817"/>
           </a:xfrm>
           <a:prstGeom prst="straightConnector1">
@@ -4347,7 +4315,7 @@
         </p:nvCxnSpPr>
         <p:spPr>
           <a:xfrm flipH="1" flipV="1">
-            <a:off x="7059064" y="1114473"/>
+            <a:off x="7078789" y="886084"/>
             <a:ext cx="44370" cy="835272"/>
           </a:xfrm>
           <a:prstGeom prst="bentConnector3">
@@ -4385,7 +4353,7 @@
         </p:nvSpPr>
         <p:spPr>
           <a:xfrm>
-            <a:off x="7045582" y="1714383"/>
+            <a:off x="7065307" y="1485994"/>
             <a:ext cx="365806" cy="276999"/>
           </a:xfrm>
           <a:prstGeom prst="rect">
@@ -4403,10 +4371,9 @@
           <a:lstStyle/>
           <a:p>
             <a:r>
-              <a:rPr lang="en-US" sz="1200" dirty="0" smtClean="0"/>
+              <a:rPr lang="en-US" sz="1200" dirty="0"/>
               <a:t>No</a:t>
             </a:r>
-            <a:endParaRPr lang="en-US" sz="1200" dirty="0"/>
           </a:p>
         </p:txBody>
       </p:sp>
@@ -4421,7 +4388,7 @@
         </p:nvCxnSpPr>
         <p:spPr>
           <a:xfrm rot="5400000" flipH="1" flipV="1">
-            <a:off x="913734" y="1051804"/>
+            <a:off x="649506" y="827669"/>
             <a:ext cx="2574794" cy="2608137"/>
           </a:xfrm>
           <a:prstGeom prst="bentConnector2">
@@ -4457,7 +4424,7 @@
         </p:nvSpPr>
         <p:spPr>
           <a:xfrm>
-            <a:off x="3406367" y="3534410"/>
+            <a:off x="3142139" y="3310275"/>
             <a:ext cx="386837" cy="276999"/>
           </a:xfrm>
           <a:prstGeom prst="rect">
@@ -4475,10 +4442,9 @@
           <a:lstStyle/>
           <a:p>
             <a:r>
-              <a:rPr lang="en-US" sz="1200" dirty="0" smtClean="0"/>
+              <a:rPr lang="en-US" sz="1200" dirty="0"/>
               <a:t>Yes</a:t>
             </a:r>
-            <a:endParaRPr lang="en-US" sz="1200" dirty="0"/>
           </a:p>
         </p:txBody>
       </p:sp>
@@ -4490,7 +4456,7 @@
         </p:nvSpPr>
         <p:spPr>
           <a:xfrm>
-            <a:off x="5449632" y="1527179"/>
+            <a:off x="5469357" y="1298790"/>
             <a:ext cx="1653802" cy="845132"/>
           </a:xfrm>
           <a:prstGeom prst="diamond">
@@ -4536,7 +4502,7 @@
         </p:nvSpPr>
         <p:spPr>
           <a:xfrm>
-            <a:off x="5650879" y="1629557"/>
+            <a:off x="5670604" y="1401168"/>
             <a:ext cx="1292340" cy="646331"/>
           </a:xfrm>
           <a:prstGeom prst="rect">
@@ -4555,32 +4521,23 @@
           <a:p>
             <a:pPr algn="ctr"/>
             <a:r>
-              <a:rPr lang="en-US" sz="1200" dirty="0" smtClean="0"/>
+              <a:rPr lang="en-US" sz="1200" dirty="0"/>
               <a:t>Channel is</a:t>
             </a:r>
             <a:br>
-              <a:rPr lang="en-US" sz="1200" dirty="0" smtClean="0"/>
+              <a:rPr lang="en-US" sz="1200" dirty="0"/>
             </a:br>
             <a:r>
-              <a:rPr lang="en-US" sz="1200" dirty="0" smtClean="0"/>
+              <a:rPr lang="en-US" sz="1200" dirty="0"/>
               <a:t>continuously free</a:t>
             </a:r>
             <a:br>
-              <a:rPr lang="en-US" sz="1200" dirty="0" smtClean="0"/>
+              <a:rPr lang="en-US" sz="1200" dirty="0"/>
             </a:br>
             <a:r>
-              <a:rPr lang="en-US" sz="1200" dirty="0" smtClean="0"/>
-              <a:t>over </a:t>
-            </a:r>
-            <a:r>
-              <a:rPr lang="en-US" sz="1200" dirty="0" smtClean="0"/>
-              <a:t>IFS</a:t>
-            </a:r>
-            <a:r>
-              <a:rPr lang="en-US" sz="1200" dirty="0" smtClean="0"/>
-              <a:t>?</a:t>
-            </a:r>
-            <a:endParaRPr lang="en-US" sz="1200" dirty="0"/>
+              <a:rPr lang="en-US" sz="1200" dirty="0"/>
+              <a:t>over IFS?</a:t>
+            </a:r>
           </a:p>
         </p:txBody>
       </p:sp>
@@ -4592,7 +4549,7 @@
         </p:nvSpPr>
         <p:spPr>
           <a:xfrm>
-            <a:off x="2749550" y="2072501"/>
+            <a:off x="2485322" y="1848366"/>
             <a:ext cx="365806" cy="276999"/>
           </a:xfrm>
           <a:prstGeom prst="rect">
@@ -4610,10 +4567,9 @@
           <a:lstStyle/>
           <a:p>
             <a:r>
-              <a:rPr lang="en-US" sz="1200" dirty="0" smtClean="0"/>
+              <a:rPr lang="en-US" sz="1200" dirty="0"/>
               <a:t>No</a:t>
             </a:r>
-            <a:endParaRPr lang="en-US" sz="1200" dirty="0"/>
           </a:p>
         </p:txBody>
       </p:sp>
@@ -4628,7 +4584,7 @@
         </p:nvCxnSpPr>
         <p:spPr>
           <a:xfrm>
-            <a:off x="6276533" y="2372311"/>
+            <a:off x="6296258" y="2143922"/>
             <a:ext cx="4482" cy="405903"/>
           </a:xfrm>
           <a:prstGeom prst="straightConnector1">
@@ -4664,7 +4620,7 @@
         </p:nvSpPr>
         <p:spPr>
           <a:xfrm>
-            <a:off x="5447306" y="3865096"/>
+            <a:off x="5467031" y="3636707"/>
             <a:ext cx="1653802" cy="845132"/>
           </a:xfrm>
           <a:prstGeom prst="diamond">
@@ -4710,7 +4666,7 @@
         </p:nvSpPr>
         <p:spPr>
           <a:xfrm>
-            <a:off x="5648553" y="3967474"/>
+            <a:off x="5668278" y="3739085"/>
             <a:ext cx="1292340" cy="646331"/>
           </a:xfrm>
           <a:prstGeom prst="rect">
@@ -4729,24 +4685,23 @@
           <a:p>
             <a:pPr algn="ctr"/>
             <a:r>
-              <a:rPr lang="en-US" sz="1200" dirty="0" smtClean="0"/>
+              <a:rPr lang="en-US" sz="1200" dirty="0"/>
               <a:t>Channel is</a:t>
             </a:r>
             <a:br>
-              <a:rPr lang="en-US" sz="1200" dirty="0" smtClean="0"/>
+              <a:rPr lang="en-US" sz="1200" dirty="0"/>
             </a:br>
             <a:r>
-              <a:rPr lang="en-US" sz="1200" dirty="0" smtClean="0"/>
+              <a:rPr lang="en-US" sz="1200" dirty="0"/>
               <a:t>continuously free</a:t>
             </a:r>
             <a:br>
-              <a:rPr lang="en-US" sz="1200" dirty="0" smtClean="0"/>
+              <a:rPr lang="en-US" sz="1200" dirty="0"/>
             </a:br>
             <a:r>
-              <a:rPr lang="en-US" sz="1200" dirty="0" smtClean="0"/>
+              <a:rPr lang="en-US" sz="1200" dirty="0"/>
               <a:t>over ST?</a:t>
             </a:r>
-            <a:endParaRPr lang="en-US" sz="1200" dirty="0"/>
           </a:p>
         </p:txBody>
       </p:sp>
@@ -4761,7 +4716,7 @@
         </p:nvCxnSpPr>
         <p:spPr>
           <a:xfrm flipH="1">
-            <a:off x="6272459" y="4710228"/>
+            <a:off x="6292184" y="4481839"/>
             <a:ext cx="1748" cy="221668"/>
           </a:xfrm>
           <a:prstGeom prst="straightConnector1">
@@ -4797,7 +4752,7 @@
         </p:nvSpPr>
         <p:spPr>
           <a:xfrm>
-            <a:off x="5897997" y="4931896"/>
+            <a:off x="5917722" y="4703507"/>
             <a:ext cx="748923" cy="276999"/>
           </a:xfrm>
           <a:prstGeom prst="rect">
@@ -4817,22 +4772,21 @@
           <a:lstStyle/>
           <a:p>
             <a:r>
-              <a:rPr lang="en-US" sz="1200" i="1" dirty="0" smtClean="0"/>
+              <a:rPr lang="en-US" sz="1200" i="1" dirty="0"/>
               <a:t>w</a:t>
             </a:r>
             <a:r>
-              <a:rPr lang="en-US" sz="1200" dirty="0" smtClean="0"/>
+              <a:rPr lang="en-US" sz="1200" dirty="0"/>
               <a:t> = </a:t>
             </a:r>
             <a:r>
-              <a:rPr lang="en-US" sz="1200" i="1" dirty="0" smtClean="0"/>
+              <a:rPr lang="en-US" sz="1200" i="1" dirty="0"/>
               <a:t>w </a:t>
             </a:r>
             <a:r>
-              <a:rPr lang="en-US" sz="1200" dirty="0" smtClean="0"/>
+              <a:rPr lang="en-US" sz="1200" dirty="0"/>
               <a:t>- 1</a:t>
             </a:r>
-            <a:endParaRPr lang="en-US" sz="1200" dirty="0"/>
           </a:p>
         </p:txBody>
       </p:sp>
@@ -4844,7 +4798,7 @@
         </p:nvSpPr>
         <p:spPr>
           <a:xfrm>
-            <a:off x="4702472" y="4870306"/>
+            <a:off x="4745157" y="4639480"/>
             <a:ext cx="860128" cy="403458"/>
           </a:xfrm>
           <a:prstGeom prst="diamond">
@@ -4890,7 +4844,7 @@
         </p:nvSpPr>
         <p:spPr>
           <a:xfrm>
-            <a:off x="4826114" y="4927409"/>
+            <a:off x="4868799" y="4696583"/>
             <a:ext cx="627095" cy="276999"/>
           </a:xfrm>
           <a:prstGeom prst="rect">
@@ -4909,14 +4863,13 @@
           <a:p>
             <a:pPr algn="ctr"/>
             <a:r>
-              <a:rPr lang="en-US" sz="1200" i="1" dirty="0" smtClean="0"/>
+              <a:rPr lang="en-US" sz="1200" i="1" dirty="0"/>
               <a:t>w</a:t>
             </a:r>
             <a:r>
-              <a:rPr lang="en-US" sz="1200" dirty="0" smtClean="0"/>
+              <a:rPr lang="en-US" sz="1200" dirty="0"/>
               <a:t> = 0 ?</a:t>
             </a:r>
-            <a:endParaRPr lang="en-US" sz="1200" dirty="0"/>
           </a:p>
         </p:txBody>
       </p:sp>
@@ -4928,7 +4881,7 @@
         </p:nvSpPr>
         <p:spPr>
           <a:xfrm>
-            <a:off x="6220082" y="2348858"/>
+            <a:off x="6239807" y="2120469"/>
             <a:ext cx="386837" cy="276999"/>
           </a:xfrm>
           <a:prstGeom prst="rect">
@@ -4946,10 +4899,9 @@
           <a:lstStyle/>
           <a:p>
             <a:r>
-              <a:rPr lang="en-US" sz="1200" dirty="0" smtClean="0"/>
+              <a:rPr lang="en-US" sz="1200" dirty="0"/>
               <a:t>Yes</a:t>
             </a:r>
-            <a:endParaRPr lang="en-US" sz="1200" dirty="0"/>
           </a:p>
         </p:txBody>
       </p:sp>
@@ -4961,7 +4913,7 @@
         </p:nvSpPr>
         <p:spPr>
           <a:xfrm>
-            <a:off x="6230737" y="4664745"/>
+            <a:off x="6250462" y="4436356"/>
             <a:ext cx="386837" cy="276999"/>
           </a:xfrm>
           <a:prstGeom prst="rect">
@@ -4979,10 +4931,9 @@
           <a:lstStyle/>
           <a:p>
             <a:r>
-              <a:rPr lang="en-US" sz="1200" dirty="0" smtClean="0"/>
+              <a:rPr lang="en-US" sz="1200" dirty="0"/>
               <a:t>Yes</a:t>
             </a:r>
-            <a:endParaRPr lang="en-US" sz="1200" dirty="0"/>
           </a:p>
         </p:txBody>
       </p:sp>
@@ -4997,7 +4948,7 @@
         </p:nvCxnSpPr>
         <p:spPr>
           <a:xfrm flipH="1">
-            <a:off x="6274207" y="3424545"/>
+            <a:off x="6293932" y="3196156"/>
             <a:ext cx="6808" cy="440551"/>
           </a:xfrm>
           <a:prstGeom prst="straightConnector1">
@@ -5030,13 +4981,12 @@
           <p:cNvPr id="94" name="Straight Arrow Connector 93"/>
           <p:cNvCxnSpPr>
             <a:stCxn id="71" idx="1"/>
-            <a:endCxn id="74" idx="3"/>
           </p:cNvCxnSpPr>
           <p:nvPr/>
         </p:nvCxnSpPr>
         <p:spPr>
           <a:xfrm flipH="1">
-            <a:off x="5562600" y="5070396"/>
+            <a:off x="5582325" y="4842007"/>
             <a:ext cx="335397" cy="1639"/>
           </a:xfrm>
           <a:prstGeom prst="straightConnector1">
@@ -5072,7 +5022,7 @@
         </p:nvSpPr>
         <p:spPr>
           <a:xfrm>
-            <a:off x="1634874" y="3644092"/>
+            <a:off x="1370646" y="3419957"/>
             <a:ext cx="1184526" cy="697215"/>
           </a:xfrm>
           <a:prstGeom prst="diamond">
@@ -5118,7 +5068,7 @@
         </p:nvSpPr>
         <p:spPr>
           <a:xfrm>
-            <a:off x="1809790" y="3733952"/>
+            <a:off x="1545562" y="3509817"/>
             <a:ext cx="870751" cy="461665"/>
           </a:xfrm>
           <a:prstGeom prst="rect">
@@ -5137,17 +5087,16 @@
           <a:p>
             <a:pPr algn="ctr"/>
             <a:r>
-              <a:rPr lang="en-US" sz="1200" dirty="0" smtClean="0"/>
+              <a:rPr lang="en-US" sz="1200" dirty="0"/>
               <a:t>ACK is</a:t>
             </a:r>
             <a:br>
-              <a:rPr lang="en-US" sz="1200" dirty="0" smtClean="0"/>
+              <a:rPr lang="en-US" sz="1200" dirty="0"/>
             </a:br>
             <a:r>
-              <a:rPr lang="en-US" sz="1200" dirty="0" smtClean="0"/>
+              <a:rPr lang="en-US" sz="1200" dirty="0"/>
               <a:t>timed out?</a:t>
             </a:r>
-            <a:endParaRPr lang="en-US" sz="1200" dirty="0"/>
           </a:p>
         </p:txBody>
       </p:sp>
@@ -5159,7 +5108,7 @@
         </p:nvSpPr>
         <p:spPr>
           <a:xfrm>
-            <a:off x="3312228" y="1519535"/>
+            <a:off x="3048000" y="1295400"/>
             <a:ext cx="857222" cy="461665"/>
           </a:xfrm>
           <a:prstGeom prst="rect">
@@ -5187,13 +5136,8 @@
             </a:br>
             <a:r>
               <a:rPr lang="en-US" sz="1200" dirty="0"/>
-              <a:t>new </a:t>
-            </a:r>
-            <a:r>
-              <a:rPr lang="en-US" sz="1200" dirty="0" smtClean="0"/>
-              <a:t>frame</a:t>
-            </a:r>
-            <a:endParaRPr lang="en-US" sz="1200" dirty="0"/>
+              <a:t>new frame</a:t>
+            </a:r>
           </a:p>
         </p:txBody>
       </p:sp>
@@ -5208,7 +5152,7 @@
         </p:nvCxnSpPr>
         <p:spPr>
           <a:xfrm flipH="1">
-            <a:off x="3740839" y="1206974"/>
+            <a:off x="3476611" y="982839"/>
             <a:ext cx="4972" cy="312561"/>
           </a:xfrm>
           <a:prstGeom prst="straightConnector1">
@@ -5244,7 +5188,7 @@
         </p:nvSpPr>
         <p:spPr>
           <a:xfrm>
-            <a:off x="1876931" y="2951976"/>
+            <a:off x="1612703" y="2727841"/>
             <a:ext cx="699230" cy="276999"/>
           </a:xfrm>
           <a:prstGeom prst="rect">
@@ -5265,22 +5209,21 @@
           <a:p>
             <a:pPr algn="ctr"/>
             <a:r>
-              <a:rPr lang="en-US" sz="1200" i="1" dirty="0" smtClean="0"/>
+              <a:rPr lang="en-US" sz="1200" i="1" dirty="0"/>
               <a:t>k</a:t>
             </a:r>
             <a:r>
-              <a:rPr lang="en-US" sz="1200" dirty="0" smtClean="0"/>
+              <a:rPr lang="en-US" sz="1200" dirty="0"/>
               <a:t> = </a:t>
             </a:r>
             <a:r>
-              <a:rPr lang="en-US" sz="1200" i="1" dirty="0" smtClean="0"/>
+              <a:rPr lang="en-US" sz="1200" i="1" dirty="0"/>
               <a:t>k</a:t>
             </a:r>
             <a:r>
-              <a:rPr lang="en-US" sz="1200" dirty="0" smtClean="0"/>
+              <a:rPr lang="en-US" sz="1200" dirty="0"/>
               <a:t> + 1</a:t>
             </a:r>
-            <a:endParaRPr lang="en-US" sz="1200" dirty="0"/>
           </a:p>
         </p:txBody>
       </p:sp>
@@ -5292,7 +5235,7 @@
         </p:nvSpPr>
         <p:spPr>
           <a:xfrm>
-            <a:off x="1634283" y="2012230"/>
+            <a:off x="1370055" y="1788095"/>
             <a:ext cx="1184526" cy="578570"/>
           </a:xfrm>
           <a:prstGeom prst="diamond">
@@ -5338,7 +5281,7 @@
         </p:nvSpPr>
         <p:spPr>
           <a:xfrm>
-            <a:off x="1875609" y="2155521"/>
+            <a:off x="1611381" y="1931386"/>
             <a:ext cx="726289" cy="276999"/>
           </a:xfrm>
           <a:prstGeom prst="rect">
@@ -5357,26 +5300,25 @@
           <a:p>
             <a:pPr algn="ctr"/>
             <a:r>
-              <a:rPr lang="en-US" sz="1200" i="1" dirty="0" smtClean="0"/>
+              <a:rPr lang="en-US" sz="1200" i="1" dirty="0"/>
               <a:t>k</a:t>
             </a:r>
             <a:r>
-              <a:rPr lang="en-US" sz="1200" dirty="0" smtClean="0"/>
+              <a:rPr lang="en-US" sz="1200" dirty="0"/>
               <a:t> &gt; </a:t>
             </a:r>
             <a:r>
-              <a:rPr lang="en-US" sz="1200" i="1" dirty="0" err="1" smtClean="0"/>
+              <a:rPr lang="en-US" sz="1200" i="1" dirty="0" err="1"/>
               <a:t>K</a:t>
             </a:r>
             <a:r>
-              <a:rPr lang="en-US" sz="1200" baseline="-25000" dirty="0" err="1" smtClean="0"/>
+              <a:rPr lang="en-US" sz="1200" baseline="-25000" dirty="0" err="1"/>
               <a:t>max</a:t>
             </a:r>
             <a:r>
-              <a:rPr lang="en-US" sz="1200" dirty="0" smtClean="0"/>
+              <a:rPr lang="en-US" sz="1200" dirty="0"/>
               <a:t>?</a:t>
             </a:r>
-            <a:endParaRPr lang="en-US" sz="1200" dirty="0"/>
           </a:p>
         </p:txBody>
       </p:sp>
@@ -5388,8 +5330,8 @@
         </p:nvSpPr>
         <p:spPr>
           <a:xfrm>
-            <a:off x="853440" y="474102"/>
-            <a:ext cx="2032422" cy="415498"/>
+            <a:off x="381001" y="249967"/>
+            <a:ext cx="2715526" cy="276999"/>
           </a:xfrm>
           <a:prstGeom prst="rect">
             <a:avLst/>
@@ -5402,25 +5344,17 @@
           <a:lstStyle/>
           <a:p>
             <a:r>
-              <a:rPr lang="en-US" sz="1050" i="1" dirty="0" err="1" smtClean="0"/>
+              <a:rPr lang="en-US" sz="1200" i="1" dirty="0" err="1"/>
               <a:t>K</a:t>
             </a:r>
             <a:r>
-              <a:rPr lang="en-US" sz="1050" baseline="-25000" dirty="0" err="1" smtClean="0"/>
+              <a:rPr lang="en-US" sz="1050" baseline="-25000" dirty="0" err="1"/>
               <a:t>max</a:t>
             </a:r>
             <a:r>
-              <a:rPr lang="en-US" sz="1050" dirty="0" smtClean="0"/>
-              <a:t>: the maximum number</a:t>
-            </a:r>
-            <a:br>
-              <a:rPr lang="en-US" sz="1050" dirty="0" smtClean="0"/>
-            </a:br>
-            <a:r>
-              <a:rPr lang="en-US" sz="1050" dirty="0" smtClean="0"/>
-              <a:t>of frame re-transmissions</a:t>
-            </a:r>
-            <a:endParaRPr lang="en-US" sz="1050" dirty="0"/>
+              <a:rPr lang="en-US" sz="1050" dirty="0"/>
+              <a:t>: Maximum number of re-transmissions</a:t>
+            </a:r>
           </a:p>
         </p:txBody>
       </p:sp>
@@ -5434,7 +5368,7 @@
         </p:nvSpPr>
         <p:spPr>
           <a:xfrm>
-            <a:off x="4926609" y="2265829"/>
+            <a:off x="4483086" y="2041694"/>
             <a:ext cx="69250" cy="69250"/>
           </a:xfrm>
           <a:prstGeom prst="ellipse">
@@ -5480,8 +5414,8 @@
         </p:nvCxnSpPr>
         <p:spPr>
           <a:xfrm flipV="1">
-            <a:off x="3781428" y="2300455"/>
-            <a:ext cx="1145772" cy="1060"/>
+            <a:off x="3517200" y="2076216"/>
+            <a:ext cx="1009447" cy="1164"/>
           </a:xfrm>
           <a:prstGeom prst="straightConnector1">
             <a:avLst/>
@@ -5519,7 +5453,7 @@
         </p:nvCxnSpPr>
         <p:spPr>
           <a:xfrm flipH="1" flipV="1">
-            <a:off x="2226546" y="3228975"/>
+            <a:off x="1962318" y="3004840"/>
             <a:ext cx="591" cy="415117"/>
           </a:xfrm>
           <a:prstGeom prst="straightConnector1">
@@ -5558,7 +5492,7 @@
         </p:nvCxnSpPr>
         <p:spPr>
           <a:xfrm flipV="1">
-            <a:off x="2226546" y="2590800"/>
+            <a:off x="1962318" y="2366665"/>
             <a:ext cx="0" cy="361176"/>
           </a:xfrm>
           <a:prstGeom prst="straightConnector1">
@@ -5594,7 +5528,7 @@
         </p:nvSpPr>
         <p:spPr>
           <a:xfrm>
-            <a:off x="1657631" y="1399401"/>
+            <a:off x="1393403" y="1175266"/>
             <a:ext cx="1136850" cy="276999"/>
           </a:xfrm>
           <a:prstGeom prst="rect">
@@ -5615,10 +5549,9 @@
           <a:p>
             <a:pPr algn="ctr"/>
             <a:r>
-              <a:rPr lang="en-US" sz="1200" dirty="0" smtClean="0"/>
+              <a:rPr lang="en-US" sz="1200" dirty="0"/>
               <a:t>Drop the frame</a:t>
             </a:r>
-            <a:endParaRPr lang="en-US" sz="1200" dirty="0"/>
           </a:p>
         </p:txBody>
       </p:sp>
@@ -5632,7 +5565,7 @@
         </p:nvSpPr>
         <p:spPr>
           <a:xfrm>
-            <a:off x="6242906" y="3604314"/>
+            <a:off x="6262631" y="3375925"/>
             <a:ext cx="69250" cy="69250"/>
           </a:xfrm>
           <a:prstGeom prst="ellipse">
@@ -5681,7 +5614,7 @@
         </p:nvCxnSpPr>
         <p:spPr>
           <a:xfrm rot="16200000" flipV="1">
-            <a:off x="7052088" y="2899007"/>
+            <a:off x="7071813" y="2670618"/>
             <a:ext cx="324740" cy="1804603"/>
           </a:xfrm>
           <a:prstGeom prst="bentConnector2">
@@ -5717,7 +5650,7 @@
         </p:nvSpPr>
         <p:spPr>
           <a:xfrm>
-            <a:off x="7028584" y="4053224"/>
+            <a:off x="7048309" y="3824835"/>
             <a:ext cx="365806" cy="276999"/>
           </a:xfrm>
           <a:prstGeom prst="rect">
@@ -5735,10 +5668,9 @@
           <a:lstStyle/>
           <a:p>
             <a:r>
-              <a:rPr lang="en-US" sz="1200" dirty="0" smtClean="0"/>
+              <a:rPr lang="en-US" sz="1200" dirty="0"/>
               <a:t>No</a:t>
             </a:r>
-            <a:endParaRPr lang="en-US" sz="1200" dirty="0"/>
           </a:p>
         </p:txBody>
       </p:sp>
@@ -5753,8 +5685,8 @@
         </p:nvCxnSpPr>
         <p:spPr>
           <a:xfrm rot="5400000" flipH="1" flipV="1">
-            <a:off x="5072038" y="3699438"/>
-            <a:ext cx="1231367" cy="1110370"/>
+            <a:off x="5104461" y="3481310"/>
+            <a:ext cx="1228930" cy="1087410"/>
           </a:xfrm>
           <a:prstGeom prst="bentConnector2">
             <a:avLst/>
@@ -5789,7 +5721,7 @@
         </p:nvSpPr>
         <p:spPr>
           <a:xfrm>
-            <a:off x="4405723" y="4853801"/>
+            <a:off x="4141495" y="4629666"/>
             <a:ext cx="386837" cy="276999"/>
           </a:xfrm>
           <a:prstGeom prst="rect">
@@ -5807,10 +5739,9 @@
           <a:lstStyle/>
           <a:p>
             <a:r>
-              <a:rPr lang="en-US" sz="1200" dirty="0" smtClean="0"/>
+              <a:rPr lang="en-US" sz="1200" dirty="0"/>
               <a:t>Yes</a:t>
             </a:r>
-            <a:endParaRPr lang="en-US" sz="1200" dirty="0"/>
           </a:p>
         </p:txBody>
       </p:sp>
@@ -5822,7 +5753,7 @@
         </p:nvSpPr>
         <p:spPr>
           <a:xfrm>
-            <a:off x="4826000" y="4651464"/>
+            <a:off x="4847172" y="4302492"/>
             <a:ext cx="365806" cy="276999"/>
           </a:xfrm>
           <a:prstGeom prst="rect">
@@ -5840,10 +5771,9 @@
           <a:lstStyle/>
           <a:p>
             <a:r>
-              <a:rPr lang="en-US" sz="1200" dirty="0" smtClean="0"/>
+              <a:rPr lang="en-US" sz="1200" dirty="0"/>
               <a:t>No</a:t>
             </a:r>
-            <a:endParaRPr lang="en-US" sz="1200" dirty="0"/>
           </a:p>
         </p:txBody>
       </p:sp>
@@ -5858,7 +5788,7 @@
         </p:nvCxnSpPr>
         <p:spPr>
           <a:xfrm rot="5400000" flipH="1">
-            <a:off x="1561688" y="3675859"/>
+            <a:off x="1297460" y="3451724"/>
             <a:ext cx="823" cy="1330074"/>
           </a:xfrm>
           <a:prstGeom prst="bentConnector3">
@@ -5899,7 +5829,7 @@
         </p:nvSpPr>
         <p:spPr>
           <a:xfrm>
-            <a:off x="1526381" y="4533900"/>
+            <a:off x="1262153" y="4309765"/>
             <a:ext cx="69250" cy="69250"/>
           </a:xfrm>
           <a:prstGeom prst="ellipse">
@@ -5948,7 +5878,7 @@
         </p:nvCxnSpPr>
         <p:spPr>
           <a:xfrm flipH="1" flipV="1">
-            <a:off x="2226056" y="1676400"/>
+            <a:off x="1961828" y="1452265"/>
             <a:ext cx="490" cy="335830"/>
           </a:xfrm>
           <a:prstGeom prst="straightConnector1">
@@ -5986,7 +5916,7 @@
         </p:nvSpPr>
         <p:spPr>
           <a:xfrm>
-            <a:off x="2191903" y="1038223"/>
+            <a:off x="1927675" y="814088"/>
             <a:ext cx="69250" cy="69250"/>
           </a:xfrm>
           <a:prstGeom prst="ellipse">
@@ -6035,7 +5965,7 @@
         </p:nvCxnSpPr>
         <p:spPr>
           <a:xfrm flipV="1">
-            <a:off x="2226056" y="1107473"/>
+            <a:off x="1961828" y="883338"/>
             <a:ext cx="472" cy="291928"/>
           </a:xfrm>
           <a:prstGeom prst="straightConnector1">
@@ -6071,7 +6001,7 @@
         </p:nvSpPr>
         <p:spPr>
           <a:xfrm>
-            <a:off x="1900168" y="1786030"/>
+            <a:off x="1635940" y="1561895"/>
             <a:ext cx="386837" cy="276999"/>
           </a:xfrm>
           <a:prstGeom prst="rect">
@@ -6089,10 +6019,9 @@
           <a:lstStyle/>
           <a:p>
             <a:r>
-              <a:rPr lang="en-US" sz="1200" dirty="0" smtClean="0"/>
+              <a:rPr lang="en-US" sz="1200" dirty="0"/>
               <a:t>Yes</a:t>
             </a:r>
-            <a:endParaRPr lang="en-US" sz="1200" dirty="0"/>
           </a:p>
         </p:txBody>
       </p:sp>
@@ -6107,13 +6036,13 @@
         </p:nvCxnSpPr>
         <p:spPr>
           <a:xfrm flipV="1">
-            <a:off x="4646738" y="883640"/>
-            <a:ext cx="1630766" cy="2192695"/>
+            <a:off x="4382510" y="655251"/>
+            <a:ext cx="1914719" cy="2196949"/>
           </a:xfrm>
           <a:prstGeom prst="bentConnector4">
             <a:avLst>
-              <a:gd name="adj1" fmla="val 19028"/>
-              <a:gd name="adj2" fmla="val 110426"/>
+              <a:gd name="adj1" fmla="val 6649"/>
+              <a:gd name="adj2" fmla="val 118974"/>
             </a:avLst>
           </a:prstGeom>
           <a:ln w="12700">
@@ -6146,8 +6075,8 @@
         </p:nvSpPr>
         <p:spPr>
           <a:xfrm>
-            <a:off x="7620000" y="2391924"/>
-            <a:ext cx="920637" cy="646331"/>
+            <a:off x="7620001" y="521173"/>
+            <a:ext cx="1371600" cy="461665"/>
           </a:xfrm>
           <a:prstGeom prst="rect">
             <a:avLst/>
@@ -6157,44 +6086,20 @@
           </a:ln>
         </p:spPr>
         <p:txBody>
-          <a:bodyPr wrap="none">
+          <a:bodyPr wrap="square">
             <a:spAutoFit/>
           </a:bodyPr>
           <a:lstStyle/>
           <a:p>
-            <a:r>
-              <a:rPr lang="en-US" sz="1200" dirty="0" smtClean="0">
+            <a:pPr algn="ctr"/>
+            <a:r>
+              <a:rPr lang="en-US" sz="1200" dirty="0">
                 <a:solidFill>
                   <a:srgbClr val="FF0000"/>
                 </a:solidFill>
               </a:rPr>
-              <a:t>Exponential</a:t>
-            </a:r>
-          </a:p>
-          <a:p>
-            <a:r>
-              <a:rPr lang="en-US" sz="1200" dirty="0" smtClean="0">
-                <a:solidFill>
-                  <a:srgbClr val="FF0000"/>
-                </a:solidFill>
-              </a:rPr>
-              <a:t>back-off</a:t>
-            </a:r>
-          </a:p>
-          <a:p>
-            <a:r>
-              <a:rPr lang="en-US" sz="1200" dirty="0" smtClean="0">
-                <a:solidFill>
-                  <a:srgbClr val="FF0000"/>
-                </a:solidFill>
-              </a:rPr>
-              <a:t>procedure</a:t>
-            </a:r>
-            <a:endParaRPr lang="en-US" sz="1200" dirty="0">
-              <a:solidFill>
-                <a:srgbClr val="FF0000"/>
-              </a:solidFill>
-            </a:endParaRPr>
+              <a:t>Exponential back-off procedure</a:t>
+            </a:r>
           </a:p>
         </p:txBody>
       </p:sp>
@@ -6206,7 +6111,7 @@
         </p:nvSpPr>
         <p:spPr>
           <a:xfrm>
-            <a:off x="2184256" y="3401285"/>
+            <a:off x="1920028" y="3177150"/>
             <a:ext cx="386837" cy="276999"/>
           </a:xfrm>
           <a:prstGeom prst="rect">
@@ -6224,10 +6129,9 @@
           <a:lstStyle/>
           <a:p>
             <a:r>
-              <a:rPr lang="en-US" sz="1200" dirty="0" smtClean="0"/>
+              <a:rPr lang="en-US" sz="1200" dirty="0"/>
               <a:t>Yes</a:t>
             </a:r>
-            <a:endParaRPr lang="en-US" sz="1200" dirty="0"/>
           </a:p>
         </p:txBody>
       </p:sp>
@@ -6239,7 +6143,7 @@
         </p:nvSpPr>
         <p:spPr>
           <a:xfrm>
-            <a:off x="562399" y="3420291"/>
+            <a:off x="298171" y="3196156"/>
             <a:ext cx="386837" cy="276999"/>
           </a:xfrm>
           <a:prstGeom prst="rect">
@@ -6257,10 +6161,9 @@
           <a:lstStyle/>
           <a:p>
             <a:r>
-              <a:rPr lang="en-US" sz="1200" dirty="0" smtClean="0"/>
+              <a:rPr lang="en-US" sz="1200" dirty="0"/>
               <a:t>Yes</a:t>
             </a:r>
-            <a:endParaRPr lang="en-US" sz="1200" dirty="0"/>
           </a:p>
         </p:txBody>
       </p:sp>
@@ -6275,7 +6178,7 @@
         </p:nvCxnSpPr>
         <p:spPr>
           <a:xfrm flipV="1">
-            <a:off x="1555637" y="4603150"/>
+            <a:off x="1291409" y="4379015"/>
             <a:ext cx="5369" cy="237931"/>
           </a:xfrm>
           <a:prstGeom prst="straightConnector1">
@@ -6314,7 +6217,7 @@
         </p:nvCxnSpPr>
         <p:spPr>
           <a:xfrm flipH="1">
-            <a:off x="2106388" y="5070902"/>
+            <a:off x="1842160" y="4846767"/>
             <a:ext cx="1086739" cy="1012"/>
           </a:xfrm>
           <a:prstGeom prst="straightConnector1">
@@ -6352,9 +6255,9 @@
           <p:nvPr/>
         </p:nvCxnSpPr>
         <p:spPr>
-          <a:xfrm flipH="1" flipV="1">
-            <a:off x="4294629" y="5070902"/>
-            <a:ext cx="407843" cy="1133"/>
+          <a:xfrm flipH="1">
+            <a:off x="4030401" y="4841209"/>
+            <a:ext cx="714756" cy="5558"/>
           </a:xfrm>
           <a:prstGeom prst="straightConnector1">
             <a:avLst/>
@@ -6389,7 +6292,7 @@
         </p:nvSpPr>
         <p:spPr>
           <a:xfrm>
-            <a:off x="1004886" y="4841081"/>
+            <a:off x="740658" y="4616946"/>
             <a:ext cx="1101502" cy="461665"/>
           </a:xfrm>
           <a:prstGeom prst="rect">
@@ -6410,17 +6313,16 @@
           <a:p>
             <a:pPr algn="ctr"/>
             <a:r>
-              <a:rPr lang="en-US" sz="1200" dirty="0" smtClean="0"/>
+              <a:rPr lang="en-US" sz="1200" dirty="0"/>
               <a:t>Wait until</a:t>
             </a:r>
             <a:br>
-              <a:rPr lang="en-US" sz="1200" dirty="0" smtClean="0"/>
+              <a:rPr lang="en-US" sz="1200" dirty="0"/>
             </a:br>
             <a:r>
-              <a:rPr lang="en-US" sz="1200" dirty="0" smtClean="0"/>
+              <a:rPr lang="en-US" sz="1200" dirty="0"/>
               <a:t>an ACK event</a:t>
             </a:r>
-            <a:endParaRPr lang="en-US" sz="1200" dirty="0"/>
           </a:p>
         </p:txBody>
       </p:sp>
@@ -6432,7 +6334,7 @@
         </p:nvSpPr>
         <p:spPr>
           <a:xfrm rot="15939634">
-            <a:off x="3707013" y="2267225"/>
+            <a:off x="3442785" y="2043090"/>
             <a:ext cx="76200" cy="77400"/>
           </a:xfrm>
           <a:prstGeom prst="arc">
@@ -6480,7 +6382,7 @@
         </p:nvCxnSpPr>
         <p:spPr>
           <a:xfrm>
-            <a:off x="2818809" y="2301515"/>
+            <a:off x="2554581" y="2077380"/>
             <a:ext cx="885219" cy="0"/>
           </a:xfrm>
           <a:prstGeom prst="line">
@@ -6507,10 +6409,111 @@
           </a:fontRef>
         </p:style>
       </p:cxnSp>
+      <p:sp>
+        <p:nvSpPr>
+          <p:cNvPr id="14" name="Rectangle 13"/>
+          <p:cNvSpPr/>
+          <p:nvPr/>
+        </p:nvSpPr>
+        <p:spPr>
+          <a:xfrm>
+            <a:off x="4648200" y="457716"/>
+            <a:ext cx="4343400" cy="4952484"/>
+          </a:xfrm>
+          <a:prstGeom prst="rect">
+            <a:avLst/>
+          </a:prstGeom>
+          <a:noFill/>
+          <a:ln w="12700">
+            <a:solidFill>
+              <a:srgbClr val="FF0000"/>
+            </a:solidFill>
+            <a:prstDash val="lgDashDot"/>
+          </a:ln>
+        </p:spPr>
+        <p:style>
+          <a:lnRef idx="2">
+            <a:schemeClr val="accent1">
+              <a:shade val="50000"/>
+            </a:schemeClr>
+          </a:lnRef>
+          <a:fillRef idx="1">
+            <a:schemeClr val="accent1"/>
+          </a:fillRef>
+          <a:effectRef idx="0">
+            <a:schemeClr val="accent1"/>
+          </a:effectRef>
+          <a:fontRef idx="minor">
+            <a:schemeClr val="lt1"/>
+          </a:fontRef>
+        </p:style>
+        <p:txBody>
+          <a:bodyPr rtlCol="0" anchor="ctr"/>
+          <a:lstStyle/>
+          <a:p>
+            <a:pPr algn="ctr"/>
+            <a:endParaRPr lang="en-US"/>
+          </a:p>
+        </p:txBody>
+      </p:sp>
     </p:spTree>
     <p:extLst>
       <p:ext uri="{BB962C8B-B14F-4D97-AF65-F5344CB8AC3E}">
         <p14:creationId xmlns:p14="http://schemas.microsoft.com/office/powerpoint/2010/main" val="800585095"/>
+      </p:ext>
+    </p:extLst>
+  </p:cSld>
+  <p:clrMapOvr>
+    <a:masterClrMapping/>
+  </p:clrMapOvr>
+</p:sld>
+</file>
+
+<file path=ppt/slides/slide2.xml><?xml version="1.0" encoding="utf-8"?>
+<p:sld xmlns:a="http://schemas.openxmlformats.org/drawingml/2006/main" xmlns:r="http://schemas.openxmlformats.org/officeDocument/2006/relationships" xmlns:p="http://schemas.openxmlformats.org/presentationml/2006/main">
+  <p:cSld>
+    <p:spTree>
+      <p:nvGrpSpPr>
+        <p:cNvPr id="1" name=""/>
+        <p:cNvGrpSpPr/>
+        <p:nvPr/>
+      </p:nvGrpSpPr>
+      <p:grpSpPr>
+        <a:xfrm>
+          <a:off x="0" y="0"/>
+          <a:ext cx="0" cy="0"/>
+          <a:chOff x="0" y="0"/>
+          <a:chExt cx="0" cy="0"/>
+        </a:xfrm>
+      </p:grpSpPr>
+      <p:pic>
+        <p:nvPicPr>
+          <p:cNvPr id="4" name="Picture 3"/>
+          <p:cNvPicPr>
+            <a:picLocks noChangeAspect="1"/>
+          </p:cNvPicPr>
+          <p:nvPr/>
+        </p:nvPicPr>
+        <p:blipFill>
+          <a:blip r:embed="rId2"/>
+          <a:stretch>
+            <a:fillRect/>
+          </a:stretch>
+        </p:blipFill>
+        <p:spPr>
+          <a:xfrm>
+            <a:off x="91051" y="792251"/>
+            <a:ext cx="8961897" cy="5273497"/>
+          </a:xfrm>
+          <a:prstGeom prst="rect">
+            <a:avLst/>
+          </a:prstGeom>
+        </p:spPr>
+      </p:pic>
+    </p:spTree>
+    <p:extLst>
+      <p:ext uri="{BB962C8B-B14F-4D97-AF65-F5344CB8AC3E}">
+        <p14:creationId xmlns:p14="http://schemas.microsoft.com/office/powerpoint/2010/main" val="605714364"/>
       </p:ext>
     </p:extLst>
   </p:cSld>
